--- a/89-2019-Jupyter-Notebooks.pptx
+++ b/89-2019-Jupyter-Notebooks.pptx
@@ -213,7 +213,7 @@
           <a:p>
             <a:fld id="{CC466A99-5A68-5147-B000-39FA6AB0DBF8}" type="datetimeFigureOut">
               <a:rPr lang="en-US" smtClean="0"/>
-              <a:t>8/28/2019</a:t>
+              <a:t>8/29/2019</a:t>
             </a:fld>
             <a:endParaRPr lang="en-US"/>
           </a:p>
@@ -750,7 +750,7 @@
           <a:p>
             <a:fld id="{8CD8E679-B83F-47FA-B4CD-811DCF3B74D8}" type="datetimeFigureOut">
               <a:rPr lang="en-US" smtClean="0"/>
-              <a:t>8/28/2019</a:t>
+              <a:t>8/29/2019</a:t>
             </a:fld>
             <a:endParaRPr lang="en-US"/>
           </a:p>
@@ -958,7 +958,7 @@
           <a:p>
             <a:fld id="{8CD8E679-B83F-47FA-B4CD-811DCF3B74D8}" type="datetimeFigureOut">
               <a:rPr lang="en-US" smtClean="0"/>
-              <a:t>8/28/2019</a:t>
+              <a:t>8/29/2019</a:t>
             </a:fld>
             <a:endParaRPr lang="en-US"/>
           </a:p>
@@ -1289,7 +1289,7 @@
           <a:p>
             <a:fld id="{8CD8E679-B83F-47FA-B4CD-811DCF3B74D8}" type="datetimeFigureOut">
               <a:rPr lang="en-US" smtClean="0"/>
-              <a:t>8/28/2019</a:t>
+              <a:t>8/29/2019</a:t>
             </a:fld>
             <a:endParaRPr lang="en-US"/>
           </a:p>
@@ -1564,7 +1564,7 @@
           <a:p>
             <a:fld id="{8CD8E679-B83F-47FA-B4CD-811DCF3B74D8}" type="datetimeFigureOut">
               <a:rPr lang="en-US" smtClean="0"/>
-              <a:t>8/28/2019</a:t>
+              <a:t>8/29/2019</a:t>
             </a:fld>
             <a:endParaRPr lang="en-US"/>
           </a:p>
@@ -1829,7 +1829,7 @@
           <a:p>
             <a:fld id="{8CD8E679-B83F-47FA-B4CD-811DCF3B74D8}" type="datetimeFigureOut">
               <a:rPr lang="en-US" smtClean="0"/>
-              <a:t>8/28/2019</a:t>
+              <a:t>8/29/2019</a:t>
             </a:fld>
             <a:endParaRPr lang="en-US"/>
           </a:p>
@@ -2241,7 +2241,7 @@
           <a:p>
             <a:fld id="{8CD8E679-B83F-47FA-B4CD-811DCF3B74D8}" type="datetimeFigureOut">
               <a:rPr lang="en-US" smtClean="0"/>
-              <a:t>8/28/2019</a:t>
+              <a:t>8/29/2019</a:t>
             </a:fld>
             <a:endParaRPr lang="en-US"/>
           </a:p>
@@ -2393,7 +2393,7 @@
             <a:fld id="{8CD8E679-B83F-47FA-B4CD-811DCF3B74D8}" type="datetimeFigureOut">
               <a:rPr lang="en-US" smtClean="0"/>
               <a:pPr/>
-              <a:t>8/28/2019</a:t>
+              <a:t>8/29/2019</a:t>
             </a:fld>
             <a:endParaRPr lang="en-US" dirty="0"/>
           </a:p>
@@ -2531,7 +2531,7 @@
           <a:p>
             <a:fld id="{8CD8E679-B83F-47FA-B4CD-811DCF3B74D8}" type="datetimeFigureOut">
               <a:rPr lang="en-US" smtClean="0"/>
-              <a:t>8/28/2019</a:t>
+              <a:t>8/29/2019</a:t>
             </a:fld>
             <a:endParaRPr lang="en-US"/>
           </a:p>
@@ -2842,7 +2842,7 @@
           <a:p>
             <a:fld id="{8CD8E679-B83F-47FA-B4CD-811DCF3B74D8}" type="datetimeFigureOut">
               <a:rPr lang="en-US" smtClean="0"/>
-              <a:t>8/28/2019</a:t>
+              <a:t>8/29/2019</a:t>
             </a:fld>
             <a:endParaRPr lang="en-US"/>
           </a:p>
@@ -3130,7 +3130,7 @@
           <a:p>
             <a:fld id="{8CD8E679-B83F-47FA-B4CD-811DCF3B74D8}" type="datetimeFigureOut">
               <a:rPr lang="en-US" smtClean="0"/>
-              <a:t>8/28/2019</a:t>
+              <a:t>8/29/2019</a:t>
             </a:fld>
             <a:endParaRPr lang="en-US"/>
           </a:p>
@@ -3735,7 +3735,7 @@
             <a:fld id="{8CD8E679-B83F-47FA-B4CD-811DCF3B74D8}" type="datetimeFigureOut">
               <a:rPr lang="en-US" smtClean="0"/>
               <a:pPr/>
-              <a:t>8/28/2019</a:t>
+              <a:t>8/29/2019</a:t>
             </a:fld>
             <a:endParaRPr lang="en-US"/>
           </a:p>
@@ -4837,7 +4837,12 @@
             <p:ph type="title"/>
           </p:nvPr>
         </p:nvSpPr>
-        <p:spPr/>
+        <p:spPr>
+          <a:xfrm>
+            <a:off x="831850" y="318053"/>
+            <a:ext cx="10515600" cy="3220278"/>
+          </a:xfrm>
+        </p:spPr>
         <p:txBody>
           <a:bodyPr>
             <a:normAutofit fontScale="90000"/>
@@ -4866,7 +4871,10 @@
           <a:bodyPr/>
           <a:lstStyle/>
           <a:p>
-            <a:endParaRPr lang="en-US"/>
+            <a:r>
+              <a:rPr lang="en-US" dirty="0"/>
+              <a:t>https://github.com/jack-hamilton-kpdor/why-jupyter-notebooks</a:t>
+            </a:r>
           </a:p>
         </p:txBody>
       </p:sp>
